--- a/slides/Geog4300 Fa18 Lecture 7-3 tz scores.pptx
+++ b/slides/Geog4300 Fa18 Lecture 7-3 tz scores.pptx
@@ -28,22 +28,22 @@
   <p:notesSz cx="6858000" cy="9144000"/>
   <p:embeddedFontLst>
     <p:embeddedFont>
-      <p:font typeface="Cambria Math" panose="02040503050406030204" pitchFamily="18" charset="0"/>
+      <p:font typeface="Gill Sans MT" panose="020B0502020104020203" pitchFamily="34" charset="0"/>
       <p:regular r:id="rId18"/>
-    </p:embeddedFont>
-    <p:embeddedFont>
-      <p:font typeface="Gill Sans MT" panose="020B0502020104020203" pitchFamily="34" charset="0"/>
-      <p:regular r:id="rId19"/>
-      <p:bold r:id="rId20"/>
-      <p:italic r:id="rId21"/>
-      <p:boldItalic r:id="rId22"/>
+      <p:bold r:id="rId19"/>
+      <p:italic r:id="rId20"/>
+      <p:boldItalic r:id="rId21"/>
     </p:embeddedFont>
     <p:embeddedFont>
       <p:font typeface="Calibri" panose="020F0502020204030204" pitchFamily="34" charset="0"/>
-      <p:regular r:id="rId23"/>
-      <p:bold r:id="rId24"/>
-      <p:italic r:id="rId25"/>
-      <p:boldItalic r:id="rId26"/>
+      <p:regular r:id="rId22"/>
+      <p:bold r:id="rId23"/>
+      <p:italic r:id="rId24"/>
+      <p:boldItalic r:id="rId25"/>
+    </p:embeddedFont>
+    <p:embeddedFont>
+      <p:font typeface="Cambria Math" panose="02040503050406030204" pitchFamily="18" charset="0"/>
+      <p:regular r:id="rId26"/>
     </p:embeddedFont>
   </p:embeddedFontLst>
   <p:defaultTextStyle>
@@ -14506,8 +14506,8 @@
           </a:p>
         </p:txBody>
       </p:sp>
-      <mc:AlternateContent xmlns:mc="http://schemas.openxmlformats.org/markup-compatibility/2006">
-        <mc:Choice xmlns:a14="http://schemas.microsoft.com/office/drawing/2010/main" Requires="a14">
+      <mc:AlternateContent xmlns:mc="http://schemas.openxmlformats.org/markup-compatibility/2006" xmlns:a14="http://schemas.microsoft.com/office/drawing/2010/main">
+        <mc:Choice Requires="a14">
           <p:sp>
             <p:nvSpPr>
               <p:cNvPr id="156" name="Shape 156"/>
@@ -14748,19 +14748,7 @@
                     <a:cs typeface="Gill Sans MT"/>
                     <a:sym typeface="Gill Sans MT"/>
                   </a:rPr>
-                  <a:t>An area of </a:t>
-                </a:r>
-                <a:r>
-                  <a:rPr lang="en-US" sz="2800" dirty="0">
-                    <a:solidFill>
-                      <a:srgbClr val="FFFF66"/>
-                    </a:solidFill>
-                    <a:latin typeface="Gill Sans MT"/>
-                    <a:ea typeface="Gill Sans MT"/>
-                    <a:cs typeface="Gill Sans MT"/>
-                    <a:sym typeface="Gill Sans MT"/>
-                  </a:rPr>
-                  <a:t>0</a:t>
+                  <a:t>An area of 0</a:t>
                 </a:r>
                 <a:r>
                   <a:rPr lang="en-US" sz="2800" dirty="0" smtClean="0">
@@ -14807,7 +14795,7 @@
             </p:txBody>
           </p:sp>
         </mc:Choice>
-        <mc:Fallback>
+        <mc:Fallback xmlns="">
           <p:sp>
             <p:nvSpPr>
               <p:cNvPr id="156" name="Shape 156"/>
@@ -15238,19 +15226,7 @@
                 <a:cs typeface="Gill Sans MT"/>
                 <a:sym typeface="Gill Sans MT"/>
               </a:rPr>
-              <a:t>between </a:t>
-            </a:r>
-            <a:r>
-              <a:rPr lang="en-US" sz="2400" dirty="0" smtClean="0">
-                <a:solidFill>
-                  <a:srgbClr val="FFFF66"/>
-                </a:solidFill>
-                <a:latin typeface="Gill Sans MT"/>
-                <a:ea typeface="Gill Sans MT"/>
-                <a:cs typeface="Gill Sans MT"/>
-                <a:sym typeface="Gill Sans MT"/>
-              </a:rPr>
-              <a:t>75 </a:t>
+              <a:t>between 75 </a:t>
             </a:r>
             <a:r>
               <a:rPr lang="en-US" sz="2400" dirty="0">
@@ -18187,17 +18163,8 @@
                 <a:cs typeface="Gill Sans MT"/>
                 <a:sym typeface="Gill Sans MT"/>
               </a:rPr>
-              <a:t> than this score?</a:t>
+              <a:t> than this </a:t>
             </a:r>
-          </a:p>
-          <a:p>
-            <a:pPr marL="0" marR="0" lvl="0" indent="0" algn="l" rtl="0">
-              <a:spcBef>
-                <a:spcPts val="0"/>
-              </a:spcBef>
-              <a:buSzPct val="25000"/>
-              <a:buNone/>
-            </a:pPr>
             <a:r>
               <a:rPr lang="en-US" sz="2800" dirty="0" smtClean="0">
                 <a:solidFill>
@@ -18208,7 +18175,19 @@
                 <a:cs typeface="Gill Sans MT"/>
                 <a:sym typeface="Gill Sans MT"/>
               </a:rPr>
-              <a:t>This is the area under the curve, assuming that </a:t>
+              <a:t>score? This </a:t>
+            </a:r>
+            <a:r>
+              <a:rPr lang="en-US" sz="2800" dirty="0" smtClean="0">
+                <a:solidFill>
+                  <a:srgbClr val="FFFF66"/>
+                </a:solidFill>
+                <a:latin typeface="Gill Sans MT"/>
+                <a:ea typeface="Gill Sans MT"/>
+                <a:cs typeface="Gill Sans MT"/>
+                <a:sym typeface="Gill Sans MT"/>
+              </a:rPr>
+              <a:t>is the area under the curve, assuming that </a:t>
             </a:r>
           </a:p>
           <a:p>
